--- a/presentation/Neural tangent kernel.pptx
+++ b/presentation/Neural tangent kernel.pptx
@@ -11,7 +11,9 @@
     <p:sldId id="259" r:id="rId5"/>
     <p:sldId id="260" r:id="rId6"/>
     <p:sldId id="261" r:id="rId7"/>
-    <p:sldId id="262" r:id="rId8"/>
+    <p:sldId id="264" r:id="rId8"/>
+    <p:sldId id="262" r:id="rId9"/>
+    <p:sldId id="263" r:id="rId10"/>
   </p:sldIdLst>
   <p:sldSz cx="12192000" cy="6858000"/>
   <p:notesSz cx="6858000" cy="9144000"/>
@@ -110,6 +112,11 @@
       </a:defRPr>
     </a:lvl9pPr>
   </p:defaultTextStyle>
+  <p:extLst>
+    <p:ext uri="{EFAFB233-063F-42B5-8137-9DF3F51BA10A}">
+      <p15:sldGuideLst xmlns:p15="http://schemas.microsoft.com/office/powerpoint/2012/main"/>
+    </p:ext>
+  </p:extLst>
 </p:presentation>
 </file>
 
@@ -3054,14 +3061,24 @@
         </p:nvSpPr>
         <p:spPr/>
         <p:txBody>
-          <a:bodyPr/>
+          <a:bodyPr>
+            <a:normAutofit/>
+          </a:bodyPr>
           <a:lstStyle/>
           <a:p>
             <a:r>
-              <a:rPr lang="en-US" dirty="0" smtClean="0"/>
-              <a:t>Wide neural nets and Gaussian processes</a:t>
-            </a:r>
-            <a:endParaRPr lang="ru-RU" dirty="0"/>
+              <a:rPr lang="ru-RU" sz="3600" dirty="0" smtClean="0"/>
+              <a:t>Широкие нейронные сети и </a:t>
+            </a:r>
+            <a:r>
+              <a:rPr lang="ru-RU" sz="3600" dirty="0" err="1" smtClean="0"/>
+              <a:t>гауссовские</a:t>
+            </a:r>
+            <a:r>
+              <a:rPr lang="ru-RU" sz="3600" dirty="0" smtClean="0"/>
+              <a:t> процессы</a:t>
+            </a:r>
+            <a:endParaRPr lang="ru-RU" sz="3600" dirty="0"/>
           </a:p>
         </p:txBody>
       </p:sp>
@@ -3104,6 +3121,13 @@
   <p:clrMapOvr>
     <a:masterClrMapping/>
   </p:clrMapOvr>
+  <p:timing>
+    <p:tnLst>
+      <p:par>
+        <p:cTn id="1" dur="indefinite" restart="never" nodeType="tmRoot"/>
+      </p:par>
+    </p:tnLst>
+  </p:timing>
 </p:sld>
 </file>
 
@@ -3186,7 +3210,7 @@
         <p:spPr>
           <a:xfrm>
             <a:off x="1785257" y="3979817"/>
-            <a:ext cx="8464732" cy="954107"/>
+            <a:ext cx="8464732" cy="1384995"/>
           </a:xfrm>
           <a:prstGeom prst="rect">
             <a:avLst/>
@@ -3205,7 +3229,11 @@
             </a:pPr>
             <a:r>
               <a:rPr lang="en-US" sz="2800" dirty="0" smtClean="0"/>
-              <a:t>NTK converges to </a:t>
+              <a:t>NTK </a:t>
+            </a:r>
+            <a:r>
+              <a:rPr lang="ru-RU" sz="2800" dirty="0" smtClean="0"/>
+              <a:t>сходится к пределу </a:t>
             </a:r>
             <a:r>
               <a:rPr lang="el-GR" sz="2800" dirty="0" smtClean="0"/>
@@ -3213,8 +3241,13 @@
             </a:r>
             <a:r>
               <a:rPr lang="en-US" sz="2800" dirty="0" smtClean="0"/>
-              <a:t> with width of NN tends to infinity</a:t>
-            </a:r>
+              <a:t> </a:t>
+            </a:r>
+            <a:r>
+              <a:rPr lang="ru-RU" sz="2800" dirty="0" smtClean="0"/>
+              <a:t>при стремлении ширины нейронной сети к бесконечности</a:t>
+            </a:r>
+            <a:endParaRPr lang="en-US" sz="2800" dirty="0" smtClean="0"/>
           </a:p>
           <a:p>
             <a:pPr marL="285750" indent="-285750">
@@ -3223,11 +3256,11 @@
             </a:pPr>
             <a:r>
               <a:rPr lang="en-US" sz="2800" dirty="0" smtClean="0"/>
-              <a:t>Θ stays constant during </a:t>
-            </a:r>
-            <a:r>
-              <a:rPr lang="en-US" sz="2800" dirty="0" err="1" smtClean="0"/>
-              <a:t>trainig</a:t>
+              <a:t>Θ </a:t>
+            </a:r>
+            <a:r>
+              <a:rPr lang="ru-RU" sz="2800" dirty="0" smtClean="0"/>
+              <a:t>остается постоянной в течение обучения</a:t>
             </a:r>
             <a:endParaRPr lang="ru-RU" sz="2800" dirty="0"/>
           </a:p>
@@ -3243,6 +3276,13 @@
   <p:clrMapOvr>
     <a:masterClrMapping/>
   </p:clrMapOvr>
+  <p:timing>
+    <p:tnLst>
+      <p:par>
+        <p:cTn id="1" dur="indefinite" restart="never" nodeType="tmRoot"/>
+      </p:par>
+    </p:tnLst>
+  </p:timing>
 </p:sld>
 </file>
 
@@ -3280,16 +3320,8 @@
           <a:p>
             <a:pPr algn="ctr"/>
             <a:r>
-              <a:rPr lang="en-US" dirty="0" err="1"/>
-              <a:t>L</a:t>
-            </a:r>
-            <a:r>
-              <a:rPr lang="en-US" dirty="0" err="1" smtClean="0"/>
-              <a:t>inearised</a:t>
-            </a:r>
-            <a:r>
-              <a:rPr lang="en-US" dirty="0" smtClean="0"/>
-              <a:t> regime of an NN</a:t>
+              <a:rPr lang="ru-RU" dirty="0" smtClean="0"/>
+              <a:t>Линеаризованная модель нейронной сети</a:t>
             </a:r>
             <a:endParaRPr lang="ru-RU" dirty="0"/>
           </a:p>
@@ -3394,6 +3426,13 @@
   <p:clrMapOvr>
     <a:masterClrMapping/>
   </p:clrMapOvr>
+  <p:timing>
+    <p:tnLst>
+      <p:par>
+        <p:cTn id="1" dur="indefinite" restart="never" nodeType="tmRoot"/>
+      </p:par>
+    </p:tnLst>
+  </p:timing>
 </p:sld>
 </file>
 
@@ -3436,8 +3475,8 @@
           <a:p>
             <a:pPr algn="ctr"/>
             <a:r>
-              <a:rPr lang="en-US" dirty="0" smtClean="0"/>
-              <a:t>Problem with the kernels</a:t>
+              <a:rPr lang="ru-RU" dirty="0" smtClean="0"/>
+              <a:t>Проблема с ядрами</a:t>
             </a:r>
             <a:endParaRPr lang="ru-RU" dirty="0"/>
           </a:p>
@@ -3540,8 +3579,8 @@
         </p:nvSpPr>
         <p:spPr>
           <a:xfrm>
-            <a:off x="3787973" y="2132008"/>
-            <a:ext cx="413896" cy="584775"/>
+            <a:off x="3180436" y="2130557"/>
+            <a:ext cx="980525" cy="584775"/>
           </a:xfrm>
           <a:prstGeom prst="rect">
             <a:avLst/>
@@ -3555,8 +3594,8 @@
           <a:lstStyle/>
           <a:p>
             <a:r>
-              <a:rPr lang="en-US" sz="3200" dirty="0" smtClean="0"/>
-              <a:t>If</a:t>
+              <a:rPr lang="ru-RU" sz="3200" dirty="0" smtClean="0"/>
+              <a:t>Если</a:t>
             </a:r>
             <a:endParaRPr lang="ru-RU" dirty="0"/>
           </a:p>
@@ -3571,7 +3610,7 @@
         <p:spPr>
           <a:xfrm>
             <a:off x="3180436" y="3045173"/>
-            <a:ext cx="1021433" cy="584775"/>
+            <a:ext cx="1113190" cy="584775"/>
           </a:xfrm>
           <a:prstGeom prst="rect">
             <a:avLst/>
@@ -3585,8 +3624,8 @@
           <a:lstStyle/>
           <a:p>
             <a:r>
-              <a:rPr lang="en-US" sz="3200" dirty="0" smtClean="0"/>
-              <a:t>Then</a:t>
+              <a:rPr lang="ru-RU" sz="3200" dirty="0" smtClean="0"/>
+              <a:t>Тогда</a:t>
             </a:r>
             <a:endParaRPr lang="ru-RU" dirty="0"/>
           </a:p>
@@ -3600,8 +3639,8 @@
         </p:nvSpPr>
         <p:spPr>
           <a:xfrm>
-            <a:off x="672738" y="5573486"/>
-            <a:ext cx="6285631" cy="584775"/>
+            <a:off x="1070472" y="4923473"/>
+            <a:ext cx="10756214" cy="584775"/>
           </a:xfrm>
           <a:prstGeom prst="rect">
             <a:avLst/>
@@ -3615,8 +3654,12 @@
           <a:lstStyle/>
           <a:p>
             <a:r>
+              <a:rPr lang="ru-RU" sz="3200" dirty="0" smtClean="0"/>
+              <a:t>При стремлении ширины нейронной сети к бесконечности</a:t>
+            </a:r>
+            <a:r>
               <a:rPr lang="en-US" sz="3200" dirty="0" smtClean="0"/>
-              <a:t>With width of a NN tends to infinity, </a:t>
+              <a:t> </a:t>
             </a:r>
             <a:endParaRPr lang="ru-RU" sz="3200" dirty="0"/>
           </a:p>
@@ -3644,7 +3687,7 @@
         </p:blipFill>
         <p:spPr>
           <a:xfrm>
-            <a:off x="6726278" y="5540703"/>
+            <a:off x="3415809" y="5554001"/>
             <a:ext cx="2470247" cy="581235"/>
           </a:xfrm>
           <a:prstGeom prst="rect">
@@ -3660,8 +3703,8 @@
         </p:nvSpPr>
         <p:spPr>
           <a:xfrm>
-            <a:off x="9088743" y="5540703"/>
-            <a:ext cx="814647" cy="584775"/>
+            <a:off x="6097074" y="5566703"/>
+            <a:ext cx="405880" cy="584775"/>
           </a:xfrm>
           <a:prstGeom prst="rect">
             <a:avLst/>
@@ -3675,8 +3718,8 @@
           <a:lstStyle/>
           <a:p>
             <a:r>
-              <a:rPr lang="en-US" sz="3200" dirty="0" smtClean="0"/>
-              <a:t>and</a:t>
+              <a:rPr lang="ru-RU" sz="3200" dirty="0"/>
+              <a:t>и</a:t>
             </a:r>
             <a:endParaRPr lang="ru-RU" sz="3200" dirty="0"/>
           </a:p>
@@ -3704,7 +3747,7 @@
         </p:blipFill>
         <p:spPr>
           <a:xfrm>
-            <a:off x="10076103" y="5573486"/>
+            <a:off x="6945401" y="5618954"/>
             <a:ext cx="1392223" cy="548452"/>
           </a:xfrm>
           <a:prstGeom prst="rect">
@@ -3722,6 +3765,13 @@
   <p:clrMapOvr>
     <a:masterClrMapping/>
   </p:clrMapOvr>
+  <p:timing>
+    <p:tnLst>
+      <p:par>
+        <p:cTn id="1" dur="indefinite" restart="never" nodeType="tmRoot"/>
+      </p:par>
+    </p:tnLst>
+  </p:timing>
 </p:sld>
 </file>
 
@@ -3759,8 +3809,8 @@
           <a:p>
             <a:pPr algn="ctr"/>
             <a:r>
-              <a:rPr lang="en-US" dirty="0" smtClean="0"/>
-              <a:t>Proposition</a:t>
+              <a:rPr lang="ru-RU" dirty="0" smtClean="0"/>
+              <a:t>Идея</a:t>
             </a:r>
             <a:endParaRPr lang="ru-RU" dirty="0"/>
           </a:p>
@@ -3865,10 +3915,121 @@
   <p:clrMapOvr>
     <a:masterClrMapping/>
   </p:clrMapOvr>
+  <p:timing>
+    <p:tnLst>
+      <p:par>
+        <p:cTn id="1" dur="indefinite" restart="never" nodeType="tmRoot"/>
+      </p:par>
+    </p:tnLst>
+  </p:timing>
 </p:sld>
 </file>
 
 <file path=ppt/slides/slide7.xml><?xml version="1.0" encoding="utf-8"?>
+<p:sld xmlns:a="http://schemas.openxmlformats.org/drawingml/2006/main" xmlns:r="http://schemas.openxmlformats.org/officeDocument/2006/relationships" xmlns:p="http://schemas.openxmlformats.org/presentationml/2006/main">
+  <p:cSld>
+    <p:spTree>
+      <p:nvGrpSpPr>
+        <p:cNvPr id="1" name=""/>
+        <p:cNvGrpSpPr/>
+        <p:nvPr/>
+      </p:nvGrpSpPr>
+      <p:grpSpPr>
+        <a:xfrm>
+          <a:off x="0" y="0"/>
+          <a:ext cx="0" cy="0"/>
+          <a:chOff x="0" y="0"/>
+          <a:chExt cx="0" cy="0"/>
+        </a:xfrm>
+      </p:grpSpPr>
+      <p:sp>
+        <p:nvSpPr>
+          <p:cNvPr id="2" name="Заголовок 1"/>
+          <p:cNvSpPr>
+            <a:spLocks noGrp="1"/>
+          </p:cNvSpPr>
+          <p:nvPr>
+            <p:ph type="title"/>
+          </p:nvPr>
+        </p:nvSpPr>
+        <p:spPr/>
+        <p:txBody>
+          <a:bodyPr/>
+          <a:lstStyle/>
+          <a:p>
+            <a:pPr algn="ctr"/>
+            <a:r>
+              <a:rPr lang="ru-RU" dirty="0" smtClean="0"/>
+              <a:t>Задачи и личный вклад</a:t>
+            </a:r>
+            <a:endParaRPr lang="ru-RU" dirty="0"/>
+          </a:p>
+        </p:txBody>
+      </p:sp>
+      <p:sp>
+        <p:nvSpPr>
+          <p:cNvPr id="3" name="Объект 2"/>
+          <p:cNvSpPr>
+            <a:spLocks noGrp="1"/>
+          </p:cNvSpPr>
+          <p:nvPr>
+            <p:ph idx="1"/>
+          </p:nvPr>
+        </p:nvSpPr>
+        <p:spPr/>
+        <p:txBody>
+          <a:bodyPr/>
+          <a:lstStyle/>
+          <a:p>
+            <a:r>
+              <a:rPr lang="ru-RU" dirty="0" smtClean="0"/>
+              <a:t>Разобраться в статье</a:t>
+            </a:r>
+          </a:p>
+          <a:p>
+            <a:r>
+              <a:rPr lang="ru-RU" dirty="0" smtClean="0"/>
+              <a:t>Адаптировать код для работы с </a:t>
+            </a:r>
+            <a:r>
+              <a:rPr lang="ru-RU" dirty="0" err="1" smtClean="0"/>
+              <a:t>датасетами</a:t>
+            </a:r>
+            <a:r>
+              <a:rPr lang="ru-RU" dirty="0" smtClean="0"/>
+              <a:t> большего объема</a:t>
+            </a:r>
+          </a:p>
+          <a:p>
+            <a:r>
+              <a:rPr lang="ru-RU" dirty="0" smtClean="0"/>
+              <a:t>Протестировать гипотезу</a:t>
+            </a:r>
+            <a:endParaRPr lang="ru-RU" dirty="0"/>
+          </a:p>
+        </p:txBody>
+      </p:sp>
+    </p:spTree>
+    <p:extLst>
+      <p:ext uri="{BB962C8B-B14F-4D97-AF65-F5344CB8AC3E}">
+        <p14:creationId xmlns:p14="http://schemas.microsoft.com/office/powerpoint/2010/main" val="1283518205"/>
+      </p:ext>
+    </p:extLst>
+  </p:cSld>
+  <p:clrMapOvr>
+    <a:masterClrMapping/>
+  </p:clrMapOvr>
+  <p:timing>
+    <p:tnLst>
+      <p:par>
+        <p:cTn id="1" dur="indefinite" restart="never" nodeType="tmRoot"/>
+      </p:par>
+    </p:tnLst>
+  </p:timing>
+</p:sld>
+</file>
+
+<file path=ppt/slides/slide8.xml><?xml version="1.0" encoding="utf-8"?>
 <p:sld xmlns:a="http://schemas.openxmlformats.org/drawingml/2006/main" xmlns:r="http://schemas.openxmlformats.org/officeDocument/2006/relationships" xmlns:p="http://schemas.openxmlformats.org/presentationml/2006/main">
   <p:cSld>
     <p:spTree>
@@ -4389,8 +4550,16 @@
                     <a:lstStyle/>
                     <a:p>
                       <a:r>
-                        <a:rPr lang="ru-RU" dirty="0" smtClean="0"/>
-                        <a:t>-42088</a:t>
+                        <a:rPr lang="ru-RU" sz="1800" b="0" i="0" kern="1200" dirty="0" smtClean="0">
+                          <a:solidFill>
+                            <a:schemeClr val="dk1"/>
+                          </a:solidFill>
+                          <a:effectLst/>
+                          <a:latin typeface="+mn-lt"/>
+                          <a:ea typeface="+mn-ea"/>
+                          <a:cs typeface="+mn-cs"/>
+                        </a:rPr>
+                        <a:t>-34025924</a:t>
                       </a:r>
                       <a:endParaRPr lang="ru-RU" dirty="0"/>
                     </a:p>
@@ -4706,8 +4875,16 @@
                     <a:lstStyle/>
                     <a:p>
                       <a:r>
-                        <a:rPr lang="ru-RU" dirty="0" smtClean="0"/>
-                        <a:t>-79443</a:t>
+                        <a:rPr lang="ru-RU" sz="1800" b="0" i="0" kern="1200" dirty="0" smtClean="0">
+                          <a:solidFill>
+                            <a:schemeClr val="dk1"/>
+                          </a:solidFill>
+                          <a:effectLst/>
+                          <a:latin typeface="+mn-lt"/>
+                          <a:ea typeface="+mn-ea"/>
+                          <a:cs typeface="+mn-cs"/>
+                        </a:rPr>
+                        <a:t>-48566084</a:t>
                       </a:r>
                       <a:endParaRPr lang="ru-RU" dirty="0"/>
                     </a:p>
@@ -5961,6 +6138,110 @@
   <p:clrMapOvr>
     <a:masterClrMapping/>
   </p:clrMapOvr>
+  <p:timing>
+    <p:tnLst>
+      <p:par>
+        <p:cTn id="1" dur="indefinite" restart="never" nodeType="tmRoot"/>
+      </p:par>
+    </p:tnLst>
+  </p:timing>
+</p:sld>
+</file>
+
+<file path=ppt/slides/slide9.xml><?xml version="1.0" encoding="utf-8"?>
+<p:sld xmlns:a="http://schemas.openxmlformats.org/drawingml/2006/main" xmlns:r="http://schemas.openxmlformats.org/officeDocument/2006/relationships" xmlns:p="http://schemas.openxmlformats.org/presentationml/2006/main">
+  <p:cSld>
+    <p:spTree>
+      <p:nvGrpSpPr>
+        <p:cNvPr id="1" name=""/>
+        <p:cNvGrpSpPr/>
+        <p:nvPr/>
+      </p:nvGrpSpPr>
+      <p:grpSpPr>
+        <a:xfrm>
+          <a:off x="0" y="0"/>
+          <a:ext cx="0" cy="0"/>
+          <a:chOff x="0" y="0"/>
+          <a:chExt cx="0" cy="0"/>
+        </a:xfrm>
+      </p:grpSpPr>
+      <p:sp>
+        <p:nvSpPr>
+          <p:cNvPr id="2" name="Заголовок 1"/>
+          <p:cNvSpPr>
+            <a:spLocks noGrp="1"/>
+          </p:cNvSpPr>
+          <p:nvPr>
+            <p:ph type="title"/>
+          </p:nvPr>
+        </p:nvSpPr>
+        <p:spPr/>
+        <p:txBody>
+          <a:bodyPr/>
+          <a:lstStyle/>
+          <a:p>
+            <a:pPr algn="ctr"/>
+            <a:r>
+              <a:rPr lang="ru-RU" dirty="0" smtClean="0"/>
+              <a:t>Выводы</a:t>
+            </a:r>
+            <a:endParaRPr lang="ru-RU" dirty="0"/>
+          </a:p>
+        </p:txBody>
+      </p:sp>
+      <p:sp>
+        <p:nvSpPr>
+          <p:cNvPr id="3" name="Объект 2"/>
+          <p:cNvSpPr>
+            <a:spLocks noGrp="1"/>
+          </p:cNvSpPr>
+          <p:nvPr>
+            <p:ph idx="1"/>
+          </p:nvPr>
+        </p:nvSpPr>
+        <p:spPr/>
+        <p:txBody>
+          <a:bodyPr/>
+          <a:lstStyle/>
+          <a:p>
+            <a:r>
+              <a:rPr lang="en-US" dirty="0" smtClean="0"/>
+              <a:t>NTKGP </a:t>
+            </a:r>
+            <a:r>
+              <a:rPr lang="ru-RU" dirty="0" smtClean="0"/>
+              <a:t>метод подтверждает гипотезу об апостериорном нормальном распределении, так как показывает лучший показатель </a:t>
+            </a:r>
+            <a:r>
+              <a:rPr lang="en-US" dirty="0" smtClean="0"/>
+              <a:t>LL.</a:t>
+            </a:r>
+          </a:p>
+          <a:p>
+            <a:pPr marL="0" indent="0">
+              <a:buNone/>
+            </a:pPr>
+            <a:endParaRPr lang="ru-RU" dirty="0"/>
+          </a:p>
+        </p:txBody>
+      </p:sp>
+    </p:spTree>
+    <p:extLst>
+      <p:ext uri="{BB962C8B-B14F-4D97-AF65-F5344CB8AC3E}">
+        <p14:creationId xmlns:p14="http://schemas.microsoft.com/office/powerpoint/2010/main" val="390788162"/>
+      </p:ext>
+    </p:extLst>
+  </p:cSld>
+  <p:clrMapOvr>
+    <a:masterClrMapping/>
+  </p:clrMapOvr>
+  <p:timing>
+    <p:tnLst>
+      <p:par>
+        <p:cTn id="1" dur="indefinite" restart="never" nodeType="tmRoot"/>
+      </p:par>
+    </p:tnLst>
+  </p:timing>
 </p:sld>
 </file>
 
